--- a/Slides/Razor_07.pptx
+++ b/Slides/Razor_07.pptx
@@ -2835,7 +2835,7 @@
           <a:p>
             <a:fld id="{02FE61A4-AABF-4533-84ED-0F614178B2D7}" type="datetimeFigureOut">
               <a:rPr lang="en-US" smtClean="0"/>
-              <a:t>11/15/2021</a:t>
+              <a:t>2/9/2022</a:t>
             </a:fld>
             <a:endParaRPr lang="en-US"/>
           </a:p>
@@ -23678,7 +23678,7 @@
           <a:p>
             <a:fld id="{FC69B7DB-8367-4EA5-BD31-DC3A1C807884}" type="datetimeFigureOut">
               <a:rPr lang="en-US" smtClean="0"/>
-              <a:t>11/15/2021</a:t>
+              <a:t>2/9/2022</a:t>
             </a:fld>
             <a:endParaRPr lang="en-US" dirty="0"/>
           </a:p>
@@ -24055,7 +24055,7 @@
           <a:p>
             <a:fld id="{FC69B7DB-8367-4EA5-BD31-DC3A1C807884}" type="datetimeFigureOut">
               <a:rPr lang="en-US" smtClean="0"/>
-              <a:t>11/15/2021</a:t>
+              <a:t>2/9/2022</a:t>
             </a:fld>
             <a:endParaRPr lang="en-US" dirty="0"/>
           </a:p>
@@ -24491,7 +24491,7 @@
           <a:p>
             <a:fld id="{FC69B7DB-8367-4EA5-BD31-DC3A1C807884}" type="datetimeFigureOut">
               <a:rPr lang="en-US" smtClean="0"/>
-              <a:t>11/15/2021</a:t>
+              <a:t>2/9/2022</a:t>
             </a:fld>
             <a:endParaRPr lang="en-US" dirty="0"/>
           </a:p>
@@ -25061,7 +25061,7 @@
           <a:p>
             <a:fld id="{FC69B7DB-8367-4EA5-BD31-DC3A1C807884}" type="datetimeFigureOut">
               <a:rPr lang="en-US" smtClean="0"/>
-              <a:t>11/15/2021</a:t>
+              <a:t>2/9/2022</a:t>
             </a:fld>
             <a:endParaRPr lang="en-US" dirty="0"/>
           </a:p>
@@ -25327,7 +25327,7 @@
           <a:p>
             <a:fld id="{FC69B7DB-8367-4EA5-BD31-DC3A1C807884}" type="datetimeFigureOut">
               <a:rPr lang="en-US" smtClean="0"/>
-              <a:t>11/15/2021</a:t>
+              <a:t>2/9/2022</a:t>
             </a:fld>
             <a:endParaRPr lang="en-US" dirty="0"/>
           </a:p>
@@ -25792,7 +25792,7 @@
           <a:p>
             <a:fld id="{FC69B7DB-8367-4EA5-BD31-DC3A1C807884}" type="datetimeFigureOut">
               <a:rPr lang="en-US" smtClean="0"/>
-              <a:t>11/15/2021</a:t>
+              <a:t>2/9/2022</a:t>
             </a:fld>
             <a:endParaRPr lang="en-US" dirty="0"/>
           </a:p>
@@ -26240,7 +26240,7 @@
           <a:p>
             <a:fld id="{FC69B7DB-8367-4EA5-BD31-DC3A1C807884}" type="datetimeFigureOut">
               <a:rPr lang="en-US" smtClean="0"/>
-              <a:t>11/15/2021</a:t>
+              <a:t>2/9/2022</a:t>
             </a:fld>
             <a:endParaRPr lang="en-US" dirty="0"/>
           </a:p>
@@ -26684,7 +26684,7 @@
           <a:p>
             <a:fld id="{FC69B7DB-8367-4EA5-BD31-DC3A1C807884}" type="datetimeFigureOut">
               <a:rPr lang="en-US" smtClean="0"/>
-              <a:t>11/15/2021</a:t>
+              <a:t>2/9/2022</a:t>
             </a:fld>
             <a:endParaRPr lang="en-US" dirty="0"/>
           </a:p>
@@ -26878,7 +26878,7 @@
           <a:p>
             <a:fld id="{FC69B7DB-8367-4EA5-BD31-DC3A1C807884}" type="datetimeFigureOut">
               <a:rPr lang="en-US" smtClean="0"/>
-              <a:t>11/15/2021</a:t>
+              <a:t>2/9/2022</a:t>
             </a:fld>
             <a:endParaRPr lang="en-US" dirty="0"/>
           </a:p>
